--- a/JDBCDriver/JDBCDriver.pptx
+++ b/JDBCDriver/JDBCDriver.pptx
@@ -2635,7 +2635,7 @@
         </p:nvSpPr>
         <p:spPr>
           <a:xfrm>
-            <a:off x="247650" y="2559685"/>
+            <a:off x="6785610" y="2608580"/>
             <a:ext cx="2694940" cy="4222750"/>
           </a:xfrm>
           <a:prstGeom prst="rect">
@@ -2758,7 +2758,7 @@
         </p:nvSpPr>
         <p:spPr>
           <a:xfrm>
-            <a:off x="2942590" y="2559685"/>
+            <a:off x="9480550" y="2608580"/>
             <a:ext cx="2694940" cy="4222750"/>
           </a:xfrm>
           <a:prstGeom prst="rect">
@@ -2874,7 +2874,7 @@
         <p:spPr>
           <a:xfrm>
             <a:off x="247650" y="6350"/>
-            <a:ext cx="11696700" cy="2553335"/>
+            <a:ext cx="11696700" cy="3046095"/>
           </a:xfrm>
           <a:prstGeom prst="rect">
             <a:avLst/>
@@ -2960,11 +2960,49 @@
                   <a:srgbClr val="FF0000"/>
                 </a:solidFill>
               </a:rPr>
-              <a:t>updateHour</a:t>
+              <a:t>updateHourlyRateOfPay</a:t>
             </a:r>
             <a:r>
               <a:rPr lang="en-US" sz="1600"/>
-              <a:t>(int userID, int hours_worked, int hourly_rate_of_pay) </a:t>
+              <a:t>(int userID, int hourly_rate_of_pay)</a:t>
+            </a:r>
+            <a:endParaRPr lang="en-US" sz="1600"/>
+          </a:p>
+          <a:p>
+            <a:r>
+              <a:rPr lang="en-US" sz="1600"/>
+              <a:t>	Void </a:t>
+            </a:r>
+            <a:r>
+              <a:rPr lang="en-US" sz="1600">
+                <a:solidFill>
+                  <a:srgbClr val="FF0000"/>
+                </a:solidFill>
+              </a:rPr>
+              <a:t>addWorkedHours</a:t>
+            </a:r>
+            <a:r>
+              <a:rPr lang="en-US" sz="1600"/>
+              <a:t>(int userID, int addition)</a:t>
+            </a:r>
+            <a:endParaRPr lang="en-US" sz="1600"/>
+          </a:p>
+          <a:p>
+            <a:r>
+              <a:rPr lang="en-US" sz="1600"/>
+              <a:t>	Void </a:t>
+            </a:r>
+            <a:r>
+              <a:rPr lang="en-US" sz="1600">
+                <a:solidFill>
+                  <a:srgbClr val="FF0000"/>
+                </a:solidFill>
+              </a:rPr>
+              <a:t>resetWorkedHours</a:t>
+            </a:r>
+            <a:r>
+              <a:rPr lang="en-US" sz="1600"/>
+              <a:t>(int userID)</a:t>
             </a:r>
             <a:endParaRPr lang="en-US" sz="1600"/>
           </a:p>
@@ -3073,7 +3111,7 @@
         </p:nvSpPr>
         <p:spPr>
           <a:xfrm>
-            <a:off x="6748145" y="2559685"/>
+            <a:off x="247650" y="3665855"/>
             <a:ext cx="5264150" cy="1814830"/>
           </a:xfrm>
           <a:prstGeom prst="rect">
